--- a/data-driven-presentations.pptx
+++ b/data-driven-presentations.pptx
@@ -2907,7 +2907,7 @@
           <a:p>
             <a:fld id="{A3FB9C2A-7470-3441-BF28-E4636B74A154}" type="datetimeFigureOut">
               <a:rPr lang="en-US" smtClean="0"/>
-              <a:t>11/4/2020</a:t>
+              <a:t>11/5/2020</a:t>
             </a:fld>
             <a:endParaRPr lang="en-US"/>
           </a:p>
@@ -4008,7 +4008,7 @@
           <a:p>
             <a:fld id="{23469676-D31A-48E7-9FA6-5A14D599E4FC}" type="datetime1">
               <a:rPr lang="en-US" smtClean="0"/>
-              <a:t>11/4/2020</a:t>
+              <a:t>11/5/2020</a:t>
             </a:fld>
             <a:endParaRPr lang="en-US" dirty="0"/>
           </a:p>
@@ -4313,7 +4313,7 @@
           <a:p>
             <a:fld id="{477B0DCD-1BF8-44DF-9C6F-3860268696C0}" type="datetime1">
               <a:rPr lang="en-US" smtClean="0"/>
-              <a:t>11/4/2020</a:t>
+              <a:t>11/5/2020</a:t>
             </a:fld>
             <a:endParaRPr lang="en-US" dirty="0"/>
           </a:p>
@@ -6230,7 +6230,7 @@
           <a:p>
             <a:fld id="{C68083EB-BBD0-4E47-9B30-29AA5220AED4}" type="datetime1">
               <a:rPr lang="en-US" smtClean="0"/>
-              <a:t>11/4/2020</a:t>
+              <a:t>11/5/2020</a:t>
             </a:fld>
             <a:endParaRPr lang="en-US" dirty="0"/>
           </a:p>
@@ -6512,7 +6512,7 @@
           <a:p>
             <a:fld id="{BB42D404-00A3-4882-870E-1D7DD6F4FCEF}" type="datetime1">
               <a:rPr lang="en-US" smtClean="0"/>
-              <a:t>11/4/2020</a:t>
+              <a:t>11/5/2020</a:t>
             </a:fld>
             <a:endParaRPr lang="en-US" dirty="0"/>
           </a:p>
@@ -7224,7 +7224,7 @@
           <a:p>
             <a:fld id="{C154DCBC-8707-4139-8D1B-926673E2C55F}" type="datetime1">
               <a:rPr lang="en-US" smtClean="0"/>
-              <a:t>11/4/2020</a:t>
+              <a:t>11/5/2020</a:t>
             </a:fld>
             <a:endParaRPr lang="en-US" dirty="0"/>
           </a:p>
@@ -7539,7 +7539,7 @@
           <a:p>
             <a:fld id="{AEB9016E-8510-4FAA-B8F2-236CF7152945}" type="datetime1">
               <a:rPr lang="en-US" smtClean="0"/>
-              <a:t>11/4/2020</a:t>
+              <a:t>11/5/2020</a:t>
             </a:fld>
             <a:endParaRPr lang="en-US" dirty="0"/>
           </a:p>
@@ -8592,7 +8592,7 @@
           <a:p>
             <a:fld id="{48F9593A-CB31-400C-83F9-2423A7F05067}" type="datetime1">
               <a:rPr lang="en-US" smtClean="0"/>
-              <a:t>11/4/2020</a:t>
+              <a:t>11/5/2020</a:t>
             </a:fld>
             <a:endParaRPr lang="en-US" dirty="0"/>
           </a:p>
@@ -8966,7 +8966,7 @@
           <a:p>
             <a:fld id="{B636DF18-C7B9-4100-9EE9-43D042F75E18}" type="datetime1">
               <a:rPr lang="en-US" smtClean="0"/>
-              <a:t>11/4/2020</a:t>
+              <a:t>11/5/2020</a:t>
             </a:fld>
             <a:endParaRPr lang="en-US" dirty="0"/>
           </a:p>
@@ -9238,7 +9238,7 @@
           <a:p>
             <a:fld id="{3D2E3608-293D-45BE-9E2D-4BF4888350CD}" type="datetime1">
               <a:rPr lang="en-US" smtClean="0"/>
-              <a:t>11/4/2020</a:t>
+              <a:t>11/5/2020</a:t>
             </a:fld>
             <a:endParaRPr lang="en-US" dirty="0"/>
           </a:p>
@@ -9501,7 +9501,7 @@
           <a:p>
             <a:fld id="{2A47476F-B9F1-4FEB-A5AD-E3B35BD37DB3}" type="datetime1">
               <a:rPr lang="en-US" smtClean="0"/>
-              <a:t>11/4/2020</a:t>
+              <a:t>11/5/2020</a:t>
             </a:fld>
             <a:endParaRPr lang="en-US" dirty="0"/>
           </a:p>
@@ -9806,7 +9806,7 @@
           <a:p>
             <a:fld id="{8FE204C8-CED8-4D16-859C-0DA8E52BBA08}" type="datetime1">
               <a:rPr lang="en-US" smtClean="0"/>
-              <a:t>11/4/2020</a:t>
+              <a:t>11/5/2020</a:t>
             </a:fld>
             <a:endParaRPr lang="en-US" dirty="0"/>
           </a:p>
@@ -10356,7 +10356,7 @@
           <a:p>
             <a:fld id="{B319AB4A-426F-4B33-8B3D-4B7829EECBDF}" type="datetime1">
               <a:rPr lang="en-US" smtClean="0"/>
-              <a:t>11/4/2020</a:t>
+              <a:t>11/5/2020</a:t>
             </a:fld>
             <a:endParaRPr lang="en-US" dirty="0"/>
           </a:p>
@@ -10999,7 +10999,7 @@
           <a:p>
             <a:fld id="{E6351830-8D99-418A-8B55-525D1B7CE745}" type="datetime1">
               <a:rPr lang="en-US" smtClean="0"/>
-              <a:t>11/4/2020</a:t>
+              <a:t>11/5/2020</a:t>
             </a:fld>
             <a:endParaRPr lang="en-US" dirty="0"/>
           </a:p>
@@ -11300,7 +11300,7 @@
             <a:fld id="{46B55D88-3751-4CDE-B259-D65C06F889D7}" type="datetime1">
               <a:rPr lang="en-US" smtClean="0"/>
               <a:pPr/>
-              <a:t>11/4/2020</a:t>
+              <a:t>11/5/2020</a:t>
             </a:fld>
             <a:endParaRPr lang="en-US" dirty="0"/>
           </a:p>
@@ -20884,13 +20884,13 @@
   <p:clrMapOvr>
     <a:masterClrMapping/>
   </p:clrMapOvr>
-  <mc:AlternateContent xmlns:mc="http://schemas.openxmlformats.org/markup-compatibility/2006">
-    <mc:Choice xmlns:p159="http://schemas.microsoft.com/office/powerpoint/2015/09/main" Requires="p159">
+  <mc:AlternateContent xmlns:mc="http://schemas.openxmlformats.org/markup-compatibility/2006" xmlns:p159="http://schemas.microsoft.com/office/powerpoint/2015/09/main">
+    <mc:Choice Requires="p159">
       <p:transition xmlns:p14="http://schemas.microsoft.com/office/powerpoint/2010/main" p14:dur="300">
         <p159:morph option="byObject"/>
       </p:transition>
     </mc:Choice>
-    <mc:Fallback>
+    <mc:Fallback xmlns="">
       <p:transition>
         <p:fade/>
       </p:transition>
